--- a/AUTONOMOUS BOT FOR RETAIL.pptx
+++ b/AUTONOMOUS BOT FOR RETAIL.pptx
@@ -5,7 +5,7 @@
     <p:sldMasterId id="2147483648" r:id="rId1"/>
   </p:sldMasterIdLst>
   <p:notesMasterIdLst>
-    <p:notesMasterId r:id="rId18"/>
+    <p:notesMasterId r:id="rId19"/>
   </p:notesMasterIdLst>
   <p:sldIdLst>
     <p:sldId id="256" r:id="rId2"/>
@@ -23,7 +23,8 @@
     <p:sldId id="269" r:id="rId14"/>
     <p:sldId id="265" r:id="rId15"/>
     <p:sldId id="268" r:id="rId16"/>
-    <p:sldId id="267" r:id="rId17"/>
+    <p:sldId id="272" r:id="rId17"/>
+    <p:sldId id="267" r:id="rId18"/>
   </p:sldIdLst>
   <p:sldSz cx="9144000" cy="6858000" type="screen4x3"/>
   <p:notesSz cx="6858000" cy="9144000"/>
@@ -3961,7 +3962,7 @@
                 </a:effectLst>
                 <a:latin typeface="AR JULIAN" panose="02000000000000000000" pitchFamily="2" charset="0"/>
               </a:rPr>
-              <a:t>AUTONOMOUS BOT FOR WAREHOUSES</a:t>
+              <a:t>VIRTUAL SHOP USING BOT</a:t>
             </a:r>
             <a:endParaRPr lang="en-US" sz="5400" b="1" dirty="0">
               <a:solidFill>
@@ -4015,23 +4016,7 @@
                 </a:effectLst>
                 <a:latin typeface="AR JULIAN" panose="02000000000000000000" pitchFamily="2" charset="0"/>
               </a:rPr>
-              <a:t>TEAM </a:t>
-            </a:r>
-            <a:r>
-              <a:rPr lang="en-US" sz="4800" b="1" dirty="0" smtClean="0">
-                <a:solidFill>
-                  <a:srgbClr val="FF0000"/>
-                </a:solidFill>
-                <a:effectLst>
-                  <a:outerShdw blurRad="38100" dist="38100" dir="2700000" algn="tl">
-                    <a:srgbClr val="000000">
-                      <a:alpha val="43137"/>
-                    </a:srgbClr>
-                  </a:outerShdw>
-                </a:effectLst>
-                <a:latin typeface="AR JULIAN" panose="02000000000000000000" pitchFamily="2" charset="0"/>
-              </a:rPr>
-              <a:t>ZANTAN</a:t>
+              <a:t>TEAM ZANTAN</a:t>
             </a:r>
             <a:endParaRPr lang="en-US" sz="4800" b="1" dirty="0">
               <a:solidFill>
@@ -5504,6 +5489,74 @@
       </p:grpSpPr>
       <p:sp>
         <p:nvSpPr>
+          <p:cNvPr id="3" name="Content Placeholder 2"/>
+          <p:cNvSpPr>
+            <a:spLocks noGrp="1"/>
+          </p:cNvSpPr>
+          <p:nvPr>
+            <p:ph idx="1"/>
+          </p:nvPr>
+        </p:nvSpPr>
+        <p:spPr/>
+        <p:txBody>
+          <a:bodyPr/>
+          <a:lstStyle/>
+          <a:p>
+            <a:pPr marL="0" indent="0">
+              <a:buNone/>
+            </a:pPr>
+            <a:r>
+              <a:rPr lang="en-US" dirty="0" smtClean="0">
+                <a:latin typeface="AR JULIAN" panose="02000000000000000000" pitchFamily="2" charset="0"/>
+              </a:rPr>
+              <a:t>GITHUB LINK FOR REPORT,SOURCE CODE AND VIDEO:</a:t>
+            </a:r>
+          </a:p>
+          <a:p>
+            <a:pPr marL="0" indent="0">
+              <a:buNone/>
+            </a:pPr>
+            <a:r>
+              <a:rPr lang="en-US" dirty="0">
+                <a:latin typeface="AR JULIAN" panose="02000000000000000000" pitchFamily="2" charset="0"/>
+              </a:rPr>
+              <a:t>https://github.com/Zener786/BOTProjectTCS</a:t>
+            </a:r>
+          </a:p>
+        </p:txBody>
+      </p:sp>
+    </p:spTree>
+    <p:extLst>
+      <p:ext uri="{BB962C8B-B14F-4D97-AF65-F5344CB8AC3E}">
+        <p14:creationId xmlns:p14="http://schemas.microsoft.com/office/powerpoint/2010/main" val="611894020"/>
+      </p:ext>
+    </p:extLst>
+  </p:cSld>
+  <p:clrMapOvr>
+    <a:masterClrMapping/>
+  </p:clrMapOvr>
+</p:sld>
+</file>
+
+<file path=ppt/slides/slide17.xml><?xml version="1.0" encoding="utf-8"?>
+<p:sld xmlns:a="http://schemas.openxmlformats.org/drawingml/2006/main" xmlns:r="http://schemas.openxmlformats.org/officeDocument/2006/relationships" xmlns:p="http://schemas.openxmlformats.org/presentationml/2006/main">
+  <p:cSld>
+    <p:spTree>
+      <p:nvGrpSpPr>
+        <p:cNvPr id="1" name=""/>
+        <p:cNvGrpSpPr/>
+        <p:nvPr/>
+      </p:nvGrpSpPr>
+      <p:grpSpPr>
+        <a:xfrm>
+          <a:off x="0" y="0"/>
+          <a:ext cx="0" cy="0"/>
+          <a:chOff x="0" y="0"/>
+          <a:chExt cx="0" cy="0"/>
+        </a:xfrm>
+      </p:grpSpPr>
+      <p:sp>
+        <p:nvSpPr>
           <p:cNvPr id="2" name="Title 1"/>
           <p:cNvSpPr>
             <a:spLocks noGrp="1"/>
@@ -5766,17 +5819,8 @@
               <a:rPr lang="en-US" sz="2400" dirty="0" smtClean="0">
                 <a:latin typeface="AR JULIAN" panose="02000000000000000000" pitchFamily="2" charset="0"/>
               </a:rPr>
-              <a:t>So, thinking for providing better service to the society ,our idea is to make a bot which shows the direction of respective products and direct the customer towards </a:t>
-            </a:r>
-            <a:r>
-              <a:rPr lang="en-US" sz="2400" dirty="0" smtClean="0">
-                <a:latin typeface="AR JULIAN" panose="02000000000000000000" pitchFamily="2" charset="0"/>
-              </a:rPr>
-              <a:t>it using a mobile application.</a:t>
-            </a:r>
-            <a:endParaRPr lang="en-US" sz="2400" dirty="0" smtClean="0">
-              <a:latin typeface="AR JULIAN" panose="02000000000000000000" pitchFamily="2" charset="0"/>
-            </a:endParaRPr>
+              <a:t>So, thinking for providing better service to the society ,our idea is to make a bot which shows the direction of respective products and direct the customer towards it using a mobile application.</a:t>
+            </a:r>
           </a:p>
           <a:p>
             <a:pPr lvl="0">
